--- a/ppt/C++_6_오목_파일입출력_오목(Replay).pptx
+++ b/ppt/C++_6_오목_파일입출력_오목(Replay).pptx
@@ -29,33 +29,33 @@
   <p:notesSz cx="6858000" cy="9144000"/>
   <p:embeddedFontLst>
     <p:embeddedFont>
-      <p:font typeface="Segoe UI Black" panose="020B0604020202020204" charset="0"/>
-      <p:bold r:id="rId19"/>
-      <p:boldItalic r:id="rId20"/>
+      <p:font typeface="Yoon 윤고딕 520_TT" charset="-127"/>
+      <p:regular r:id="rId19"/>
     </p:embeddedFont>
     <p:embeddedFont>
-      <p:font typeface="HY강B" panose="020B0600000101010101" charset="-127"/>
-      <p:regular r:id="rId21"/>
+      <p:font typeface="HY강M" charset="-127"/>
+      <p:regular r:id="rId20"/>
     </p:embeddedFont>
     <p:embeddedFont>
-      <p:font typeface="HY헤드라인M" panose="02030600000101010101" pitchFamily="18" charset="-127"/>
-      <p:regular r:id="rId22"/>
+      <p:font typeface="Segoe UI Black" charset="0"/>
+      <p:bold r:id="rId21"/>
+      <p:boldItalic r:id="rId22"/>
     </p:embeddedFont>
     <p:embeddedFont>
-      <p:font typeface="Yoon 윤고딕 520_TT" panose="020B0600000101010101" charset="-127"/>
+      <p:font typeface="맑은 고딕" pitchFamily="50" charset="-127"/>
       <p:regular r:id="rId23"/>
+      <p:bold r:id="rId24"/>
     </p:embeddedFont>
     <p:embeddedFont>
-      <p:font typeface="HY견고딕" panose="02030600000101010101" pitchFamily="18" charset="-127"/>
-      <p:regular r:id="rId24"/>
+      <p:font typeface="HY강B" charset="-127"/>
+      <p:regular r:id="rId25"/>
     </p:embeddedFont>
     <p:embeddedFont>
-      <p:font typeface="맑은 고딕" panose="020B0503020000020004" pitchFamily="50" charset="-127"/>
-      <p:regular r:id="rId25"/>
-      <p:bold r:id="rId26"/>
+      <p:font typeface="HY헤드라인M" pitchFamily="18" charset="-127"/>
+      <p:regular r:id="rId26"/>
     </p:embeddedFont>
     <p:embeddedFont>
-      <p:font typeface="HY강M" panose="020B0600000101010101" charset="-127"/>
+      <p:font typeface="HY견고딕" pitchFamily="18" charset="-127"/>
       <p:regular r:id="rId27"/>
     </p:embeddedFont>
   </p:embeddedFontLst>
@@ -240,7 +240,7 @@
             <a:fld id="{E2E81C77-485D-47AA-9839-DA75671EEAD7}" type="datetimeFigureOut">
               <a:rPr lang="ko-KR" altLang="en-US" smtClean="0"/>
               <a:pPr/>
-              <a:t>2019-05-24</a:t>
+              <a:t>2019-07-23</a:t>
             </a:fld>
             <a:endParaRPr lang="ko-KR" altLang="en-US"/>
           </a:p>
@@ -857,7 +857,7 @@
             <a:fld id="{3A302466-FE76-40E8-BE5D-598A609EDD2B}" type="datetimeFigureOut">
               <a:rPr lang="ko-KR" altLang="en-US" smtClean="0"/>
               <a:pPr/>
-              <a:t>2019-05-24</a:t>
+              <a:t>2019-07-23</a:t>
             </a:fld>
             <a:endParaRPr lang="ko-KR" altLang="en-US"/>
           </a:p>
@@ -1029,7 +1029,7 @@
             <a:fld id="{3A302466-FE76-40E8-BE5D-598A609EDD2B}" type="datetimeFigureOut">
               <a:rPr lang="ko-KR" altLang="en-US" smtClean="0"/>
               <a:pPr/>
-              <a:t>2019-05-24</a:t>
+              <a:t>2019-07-23</a:t>
             </a:fld>
             <a:endParaRPr lang="ko-KR" altLang="en-US"/>
           </a:p>
@@ -1211,7 +1211,7 @@
             <a:fld id="{3A302466-FE76-40E8-BE5D-598A609EDD2B}" type="datetimeFigureOut">
               <a:rPr lang="ko-KR" altLang="en-US" smtClean="0"/>
               <a:pPr/>
-              <a:t>2019-05-24</a:t>
+              <a:t>2019-07-23</a:t>
             </a:fld>
             <a:endParaRPr lang="ko-KR" altLang="en-US"/>
           </a:p>
@@ -1383,7 +1383,7 @@
             <a:fld id="{3A302466-FE76-40E8-BE5D-598A609EDD2B}" type="datetimeFigureOut">
               <a:rPr lang="ko-KR" altLang="en-US" smtClean="0"/>
               <a:pPr/>
-              <a:t>2019-05-24</a:t>
+              <a:t>2019-07-23</a:t>
             </a:fld>
             <a:endParaRPr lang="ko-KR" altLang="en-US"/>
           </a:p>
@@ -1631,7 +1631,7 @@
             <a:fld id="{3A302466-FE76-40E8-BE5D-598A609EDD2B}" type="datetimeFigureOut">
               <a:rPr lang="ko-KR" altLang="en-US" smtClean="0"/>
               <a:pPr/>
-              <a:t>2019-05-24</a:t>
+              <a:t>2019-07-23</a:t>
             </a:fld>
             <a:endParaRPr lang="ko-KR" altLang="en-US"/>
           </a:p>
@@ -1921,7 +1921,7 @@
             <a:fld id="{3A302466-FE76-40E8-BE5D-598A609EDD2B}" type="datetimeFigureOut">
               <a:rPr lang="ko-KR" altLang="en-US" smtClean="0"/>
               <a:pPr/>
-              <a:t>2019-05-24</a:t>
+              <a:t>2019-07-23</a:t>
             </a:fld>
             <a:endParaRPr lang="ko-KR" altLang="en-US"/>
           </a:p>
@@ -2345,7 +2345,7 @@
             <a:fld id="{3A302466-FE76-40E8-BE5D-598A609EDD2B}" type="datetimeFigureOut">
               <a:rPr lang="ko-KR" altLang="en-US" smtClean="0"/>
               <a:pPr/>
-              <a:t>2019-05-24</a:t>
+              <a:t>2019-07-23</a:t>
             </a:fld>
             <a:endParaRPr lang="ko-KR" altLang="en-US"/>
           </a:p>
@@ -2465,7 +2465,7 @@
             <a:fld id="{3A302466-FE76-40E8-BE5D-598A609EDD2B}" type="datetimeFigureOut">
               <a:rPr lang="ko-KR" altLang="en-US" smtClean="0"/>
               <a:pPr/>
-              <a:t>2019-05-24</a:t>
+              <a:t>2019-07-23</a:t>
             </a:fld>
             <a:endParaRPr lang="ko-KR" altLang="en-US"/>
           </a:p>
@@ -2562,7 +2562,7 @@
             <a:fld id="{3A302466-FE76-40E8-BE5D-598A609EDD2B}" type="datetimeFigureOut">
               <a:rPr lang="ko-KR" altLang="en-US" smtClean="0"/>
               <a:pPr/>
-              <a:t>2019-05-24</a:t>
+              <a:t>2019-07-23</a:t>
             </a:fld>
             <a:endParaRPr lang="ko-KR" altLang="en-US"/>
           </a:p>
@@ -2841,7 +2841,7 @@
             <a:fld id="{3A302466-FE76-40E8-BE5D-598A609EDD2B}" type="datetimeFigureOut">
               <a:rPr lang="ko-KR" altLang="en-US" smtClean="0"/>
               <a:pPr/>
-              <a:t>2019-05-24</a:t>
+              <a:t>2019-07-23</a:t>
             </a:fld>
             <a:endParaRPr lang="ko-KR" altLang="en-US"/>
           </a:p>
@@ -3096,7 +3096,7 @@
             <a:fld id="{3A302466-FE76-40E8-BE5D-598A609EDD2B}" type="datetimeFigureOut">
               <a:rPr lang="ko-KR" altLang="en-US" smtClean="0"/>
               <a:pPr/>
-              <a:t>2019-05-24</a:t>
+              <a:t>2019-07-23</a:t>
             </a:fld>
             <a:endParaRPr lang="ko-KR" altLang="en-US"/>
           </a:p>
@@ -3311,7 +3311,7 @@
             <a:fld id="{3A302466-FE76-40E8-BE5D-598A609EDD2B}" type="datetimeFigureOut">
               <a:rPr lang="ko-KR" altLang="en-US" smtClean="0"/>
               <a:pPr/>
-              <a:t>2019-05-24</a:t>
+              <a:t>2019-07-23</a:t>
             </a:fld>
             <a:endParaRPr lang="ko-KR" altLang="en-US"/>
           </a:p>
@@ -6572,19 +6572,23 @@
               <a:t>	while (!</a:t>
             </a:r>
             <a:r>
-              <a:rPr lang="en-US" altLang="ko-KR" sz="1400" dirty="0" err="1">
+              <a:rPr lang="en-US" altLang="ko-KR" sz="1400" err="1">
                 <a:latin typeface="HY견고딕" pitchFamily="18" charset="-127"/>
                 <a:ea typeface="HY견고딕" pitchFamily="18" charset="-127"/>
               </a:rPr>
               <a:t>load.eof</a:t>
             </a:r>
             <a:r>
-              <a:rPr lang="en-US" altLang="ko-KR" sz="1400" dirty="0">
-                <a:latin typeface="HY견고딕" pitchFamily="18" charset="-127"/>
-                <a:ea typeface="HY견고딕" pitchFamily="18" charset="-127"/>
-              </a:rPr>
-              <a:t>())</a:t>
-            </a:r>
+              <a:rPr lang="en-US" altLang="ko-KR" sz="1400" smtClean="0">
+                <a:latin typeface="HY견고딕" pitchFamily="18" charset="-127"/>
+                <a:ea typeface="HY견고딕" pitchFamily="18" charset="-127"/>
+              </a:rPr>
+              <a:t>()) End of File</a:t>
+            </a:r>
+            <a:endParaRPr lang="en-US" altLang="ko-KR" sz="1400" dirty="0">
+              <a:latin typeface="HY견고딕" pitchFamily="18" charset="-127"/>
+              <a:ea typeface="HY견고딕" pitchFamily="18" charset="-127"/>
+            </a:endParaRPr>
           </a:p>
           <a:p>
             <a:r>
